--- a/BTTL2/BTTL2 - Nhóm 17.pptx
+++ b/BTTL2/BTTL2 - Nhóm 17.pptx
@@ -206,7 +206,7 @@
 <file path=ppt/charts/chart1.xml><?xml version="1.0" encoding="utf-8"?>
 <c:chartSpace xmlns:c="http://schemas.openxmlformats.org/drawingml/2006/chart" xmlns:a="http://schemas.openxmlformats.org/drawingml/2006/main" xmlns:r="http://schemas.openxmlformats.org/officeDocument/2006/relationships" xmlns:c16r2="http://schemas.microsoft.com/office/drawing/2015/06/chart">
   <c:date1904 val="0"/>
-  <c:lang val="en-US"/>
+  <c:lang val="vi-VN"/>
   <c:roundedCorners val="0"/>
   <mc:AlternateContent xmlns:mc="http://schemas.openxmlformats.org/markup-compatibility/2006">
     <mc:Choice xmlns:c14="http://schemas.microsoft.com/office/drawing/2007/8/2/chart" Requires="c14">
@@ -292,7 +292,7 @@
               <a:cs typeface="+mn-cs"/>
             </a:defRPr>
           </a:pPr>
-          <a:endParaRPr lang="vi-VN"/>
+          <a:endParaRPr lang="en-US"/>
         </a:p>
       </c:txPr>
     </c:title>
@@ -463,7 +463,7 @@
                   <a:cs typeface="+mn-cs"/>
                 </a:defRPr>
               </a:pPr>
-              <a:endParaRPr lang="vi-VN"/>
+              <a:endParaRPr lang="en-US"/>
             </a:p>
           </c:txPr>
         </c:title>
@@ -501,7 +501,7 @@
                 <a:cs typeface="+mn-cs"/>
               </a:defRPr>
             </a:pPr>
-            <a:endParaRPr lang="vi-VN"/>
+            <a:endParaRPr lang="en-US"/>
           </a:p>
         </c:txPr>
         <c:crossAx val="399553288"/>
@@ -603,7 +603,7 @@
                   <a:cs typeface="+mn-cs"/>
                 </a:defRPr>
               </a:pPr>
-              <a:endParaRPr lang="vi-VN"/>
+              <a:endParaRPr lang="en-US"/>
             </a:p>
           </c:txPr>
         </c:title>
@@ -635,7 +635,7 @@
                 <a:cs typeface="+mn-cs"/>
               </a:defRPr>
             </a:pPr>
-            <a:endParaRPr lang="vi-VN"/>
+            <a:endParaRPr lang="en-US"/>
           </a:p>
         </c:txPr>
         <c:crossAx val="399556896"/>
@@ -689,7 +689,7 @@
               <a:cs typeface="+mn-cs"/>
             </a:defRPr>
           </a:pPr>
-          <a:endParaRPr lang="vi-VN"/>
+          <a:endParaRPr lang="en-US"/>
         </a:p>
       </c:txPr>
     </c:legend>
@@ -720,7 +720,7 @@
       <a:pPr>
         <a:defRPr/>
       </a:pPr>
-      <a:endParaRPr lang="vi-VN"/>
+      <a:endParaRPr lang="en-US"/>
     </a:p>
   </c:txPr>
   <c:externalData r:id="rId3">
@@ -732,7 +732,7 @@
 <file path=ppt/charts/chart2.xml><?xml version="1.0" encoding="utf-8"?>
 <c:chartSpace xmlns:c="http://schemas.openxmlformats.org/drawingml/2006/chart" xmlns:a="http://schemas.openxmlformats.org/drawingml/2006/main" xmlns:r="http://schemas.openxmlformats.org/officeDocument/2006/relationships" xmlns:c16r2="http://schemas.microsoft.com/office/drawing/2015/06/chart">
   <c:date1904 val="0"/>
-  <c:lang val="en-US"/>
+  <c:lang val="vi-VN"/>
   <c:roundedCorners val="0"/>
   <mc:AlternateContent xmlns:mc="http://schemas.openxmlformats.org/markup-compatibility/2006">
     <mc:Choice xmlns:c14="http://schemas.microsoft.com/office/drawing/2007/8/2/chart" Requires="c14">
@@ -818,7 +818,7 @@
               <a:cs typeface="+mn-cs"/>
             </a:defRPr>
           </a:pPr>
-          <a:endParaRPr lang="vi-VN"/>
+          <a:endParaRPr lang="en-US"/>
         </a:p>
       </c:txPr>
     </c:title>
@@ -989,7 +989,7 @@
                   <a:cs typeface="+mn-cs"/>
                 </a:defRPr>
               </a:pPr>
-              <a:endParaRPr lang="vi-VN"/>
+              <a:endParaRPr lang="en-US"/>
             </a:p>
           </c:txPr>
         </c:title>
@@ -1027,7 +1027,7 @@
                 <a:cs typeface="+mn-cs"/>
               </a:defRPr>
             </a:pPr>
-            <a:endParaRPr lang="vi-VN"/>
+            <a:endParaRPr lang="en-US"/>
           </a:p>
         </c:txPr>
         <c:crossAx val="399553288"/>
@@ -1129,7 +1129,7 @@
                   <a:cs typeface="+mn-cs"/>
                 </a:defRPr>
               </a:pPr>
-              <a:endParaRPr lang="vi-VN"/>
+              <a:endParaRPr lang="en-US"/>
             </a:p>
           </c:txPr>
         </c:title>
@@ -1161,7 +1161,7 @@
                 <a:cs typeface="+mn-cs"/>
               </a:defRPr>
             </a:pPr>
-            <a:endParaRPr lang="vi-VN"/>
+            <a:endParaRPr lang="en-US"/>
           </a:p>
         </c:txPr>
         <c:crossAx val="399556896"/>
@@ -1215,7 +1215,7 @@
               <a:cs typeface="+mn-cs"/>
             </a:defRPr>
           </a:pPr>
-          <a:endParaRPr lang="vi-VN"/>
+          <a:endParaRPr lang="en-US"/>
         </a:p>
       </c:txPr>
     </c:legend>
@@ -1246,7 +1246,7 @@
       <a:pPr>
         <a:defRPr/>
       </a:pPr>
-      <a:endParaRPr lang="vi-VN"/>
+      <a:endParaRPr lang="en-US"/>
     </a:p>
   </c:txPr>
   <c:externalData r:id="rId3">
@@ -1258,7 +1258,7 @@
 <file path=ppt/charts/chart3.xml><?xml version="1.0" encoding="utf-8"?>
 <c:chartSpace xmlns:c="http://schemas.openxmlformats.org/drawingml/2006/chart" xmlns:a="http://schemas.openxmlformats.org/drawingml/2006/main" xmlns:r="http://schemas.openxmlformats.org/officeDocument/2006/relationships" xmlns:c16r2="http://schemas.microsoft.com/office/drawing/2015/06/chart">
   <c:date1904 val="0"/>
-  <c:lang val="en-US"/>
+  <c:lang val="vi-VN"/>
   <c:roundedCorners val="0"/>
   <mc:AlternateContent xmlns:mc="http://schemas.openxmlformats.org/markup-compatibility/2006">
     <mc:Choice xmlns:c14="http://schemas.microsoft.com/office/drawing/2007/8/2/chart" Requires="c14">
@@ -1344,7 +1344,7 @@
               <a:cs typeface="+mn-cs"/>
             </a:defRPr>
           </a:pPr>
-          <a:endParaRPr lang="vi-VN"/>
+          <a:endParaRPr lang="en-US"/>
         </a:p>
       </c:txPr>
     </c:title>
@@ -1515,7 +1515,7 @@
                   <a:cs typeface="+mn-cs"/>
                 </a:defRPr>
               </a:pPr>
-              <a:endParaRPr lang="vi-VN"/>
+              <a:endParaRPr lang="en-US"/>
             </a:p>
           </c:txPr>
         </c:title>
@@ -1553,7 +1553,7 @@
                 <a:cs typeface="+mn-cs"/>
               </a:defRPr>
             </a:pPr>
-            <a:endParaRPr lang="vi-VN"/>
+            <a:endParaRPr lang="en-US"/>
           </a:p>
         </c:txPr>
         <c:crossAx val="399553288"/>
@@ -1655,7 +1655,7 @@
                   <a:cs typeface="+mn-cs"/>
                 </a:defRPr>
               </a:pPr>
-              <a:endParaRPr lang="vi-VN"/>
+              <a:endParaRPr lang="en-US"/>
             </a:p>
           </c:txPr>
         </c:title>
@@ -1687,7 +1687,7 @@
                 <a:cs typeface="+mn-cs"/>
               </a:defRPr>
             </a:pPr>
-            <a:endParaRPr lang="vi-VN"/>
+            <a:endParaRPr lang="en-US"/>
           </a:p>
         </c:txPr>
         <c:crossAx val="399556896"/>
@@ -1741,7 +1741,7 @@
               <a:cs typeface="+mn-cs"/>
             </a:defRPr>
           </a:pPr>
-          <a:endParaRPr lang="vi-VN"/>
+          <a:endParaRPr lang="en-US"/>
         </a:p>
       </c:txPr>
     </c:legend>
@@ -1772,7 +1772,7 @@
       <a:pPr>
         <a:defRPr/>
       </a:pPr>
-      <a:endParaRPr lang="vi-VN"/>
+      <a:endParaRPr lang="en-US"/>
     </a:p>
   </c:txPr>
   <c:externalData r:id="rId3">
@@ -1784,7 +1784,7 @@
 <file path=ppt/charts/chart4.xml><?xml version="1.0" encoding="utf-8"?>
 <c:chartSpace xmlns:c="http://schemas.openxmlformats.org/drawingml/2006/chart" xmlns:a="http://schemas.openxmlformats.org/drawingml/2006/main" xmlns:r="http://schemas.openxmlformats.org/officeDocument/2006/relationships" xmlns:c16r2="http://schemas.microsoft.com/office/drawing/2015/06/chart">
   <c:date1904 val="0"/>
-  <c:lang val="en-US"/>
+  <c:lang val="vi-VN"/>
   <c:roundedCorners val="0"/>
   <mc:AlternateContent xmlns:mc="http://schemas.openxmlformats.org/markup-compatibility/2006">
     <mc:Choice xmlns:c14="http://schemas.microsoft.com/office/drawing/2007/8/2/chart" Requires="c14">
@@ -1879,7 +1879,7 @@
               <a:cs typeface="+mn-cs"/>
             </a:defRPr>
           </a:pPr>
-          <a:endParaRPr lang="vi-VN"/>
+          <a:endParaRPr lang="en-US"/>
         </a:p>
       </c:txPr>
     </c:title>
@@ -2050,7 +2050,7 @@
                   <a:cs typeface="+mn-cs"/>
                 </a:defRPr>
               </a:pPr>
-              <a:endParaRPr lang="vi-VN"/>
+              <a:endParaRPr lang="en-US"/>
             </a:p>
           </c:txPr>
         </c:title>
@@ -2088,7 +2088,7 @@
                 <a:cs typeface="+mn-cs"/>
               </a:defRPr>
             </a:pPr>
-            <a:endParaRPr lang="vi-VN"/>
+            <a:endParaRPr lang="en-US"/>
           </a:p>
         </c:txPr>
         <c:crossAx val="399553288"/>
@@ -2190,7 +2190,7 @@
                   <a:cs typeface="+mn-cs"/>
                 </a:defRPr>
               </a:pPr>
-              <a:endParaRPr lang="vi-VN"/>
+              <a:endParaRPr lang="en-US"/>
             </a:p>
           </c:txPr>
         </c:title>
@@ -2222,7 +2222,7 @@
                 <a:cs typeface="+mn-cs"/>
               </a:defRPr>
             </a:pPr>
-            <a:endParaRPr lang="vi-VN"/>
+            <a:endParaRPr lang="en-US"/>
           </a:p>
         </c:txPr>
         <c:crossAx val="399556896"/>
@@ -2276,7 +2276,7 @@
               <a:cs typeface="+mn-cs"/>
             </a:defRPr>
           </a:pPr>
-          <a:endParaRPr lang="vi-VN"/>
+          <a:endParaRPr lang="en-US"/>
         </a:p>
       </c:txPr>
     </c:legend>
@@ -2307,7 +2307,7 @@
       <a:pPr>
         <a:defRPr/>
       </a:pPr>
-      <a:endParaRPr lang="vi-VN"/>
+      <a:endParaRPr lang="en-US"/>
     </a:p>
   </c:txPr>
   <c:externalData r:id="rId3">
@@ -2319,7 +2319,7 @@
 <file path=ppt/charts/chart5.xml><?xml version="1.0" encoding="utf-8"?>
 <c:chartSpace xmlns:c="http://schemas.openxmlformats.org/drawingml/2006/chart" xmlns:a="http://schemas.openxmlformats.org/drawingml/2006/main" xmlns:r="http://schemas.openxmlformats.org/officeDocument/2006/relationships" xmlns:c16r2="http://schemas.microsoft.com/office/drawing/2015/06/chart">
   <c:date1904 val="0"/>
-  <c:lang val="en-US"/>
+  <c:lang val="vi-VN"/>
   <c:roundedCorners val="0"/>
   <mc:AlternateContent xmlns:mc="http://schemas.openxmlformats.org/markup-compatibility/2006">
     <mc:Choice xmlns:c14="http://schemas.microsoft.com/office/drawing/2007/8/2/chart" Requires="c14">
@@ -2336,7 +2336,7 @@
           <a:bodyPr/>
           <a:lstStyle/>
           <a:p>
-            <a:pPr>
+            <a:pPr algn="ctr">
               <a:defRPr sz="1600" b="0">
                 <a:solidFill>
                   <a:schemeClr val="tx1">
@@ -2347,309 +2347,337 @@
               </a:defRPr>
             </a:pPr>
             <a:r>
-              <a:rPr lang="en-US" sz="1600" b="0" dirty="0">
+              <a:rPr lang="en-US" sz="1800" b="0" dirty="0">
                 <a:solidFill>
                   <a:schemeClr val="tx1">
                     <a:lumMod val="75000"/>
                     <a:lumOff val="25000"/>
                   </a:schemeClr>
                 </a:solidFill>
+                <a:latin typeface="+mj-lt"/>
               </a:rPr>
               <a:t>Tỉ</a:t>
             </a:r>
             <a:r>
-              <a:rPr lang="en-US" sz="1600" b="0" baseline="0" dirty="0">
+              <a:rPr lang="en-US" sz="1800" b="0" baseline="0" dirty="0">
                 <a:solidFill>
                   <a:schemeClr val="tx1">
                     <a:lumMod val="75000"/>
                     <a:lumOff val="25000"/>
                   </a:schemeClr>
                 </a:solidFill>
+                <a:latin typeface="+mj-lt"/>
               </a:rPr>
               <a:t> lệ </a:t>
             </a:r>
             <a:r>
-              <a:rPr lang="en-US" sz="1600" b="0" baseline="0" dirty="0" err="1">
+              <a:rPr lang="en-US" sz="1800" b="0" baseline="0" dirty="0" err="1">
                 <a:solidFill>
                   <a:schemeClr val="tx1">
                     <a:lumMod val="75000"/>
                     <a:lumOff val="25000"/>
                   </a:schemeClr>
                 </a:solidFill>
+                <a:latin typeface="+mj-lt"/>
               </a:rPr>
               <a:t>tài</a:t>
             </a:r>
             <a:r>
-              <a:rPr lang="en-US" sz="1600" b="0" baseline="0" dirty="0">
+              <a:rPr lang="en-US" sz="1800" b="0" baseline="0" dirty="0">
                 <a:solidFill>
                   <a:schemeClr val="tx1">
                     <a:lumMod val="75000"/>
                     <a:lumOff val="25000"/>
                   </a:schemeClr>
                 </a:solidFill>
+                <a:latin typeface="+mj-lt"/>
               </a:rPr>
               <a:t> </a:t>
             </a:r>
             <a:r>
-              <a:rPr lang="en-US" sz="1600" b="0" baseline="0" dirty="0" err="1">
+              <a:rPr lang="en-US" sz="1800" b="0" baseline="0" dirty="0" err="1">
                 <a:solidFill>
                   <a:schemeClr val="tx1">
                     <a:lumMod val="75000"/>
                     <a:lumOff val="25000"/>
                   </a:schemeClr>
                 </a:solidFill>
+                <a:latin typeface="+mj-lt"/>
               </a:rPr>
               <a:t>khoản</a:t>
             </a:r>
             <a:r>
-              <a:rPr lang="en-US" sz="1600" b="0" baseline="0" dirty="0">
+              <a:rPr lang="en-US" sz="1800" b="0" baseline="0" dirty="0">
                 <a:solidFill>
                   <a:schemeClr val="tx1">
                     <a:lumMod val="75000"/>
                     <a:lumOff val="25000"/>
                   </a:schemeClr>
                 </a:solidFill>
+                <a:latin typeface="+mj-lt"/>
               </a:rPr>
               <a:t> </a:t>
             </a:r>
             <a:r>
-              <a:rPr lang="en-US" sz="1600" b="0" baseline="0" dirty="0" err="1">
+              <a:rPr lang="en-US" sz="1800" b="0" baseline="0" dirty="0" err="1">
                 <a:solidFill>
                   <a:schemeClr val="tx1">
                     <a:lumMod val="75000"/>
                     <a:lumOff val="25000"/>
                   </a:schemeClr>
                 </a:solidFill>
+                <a:latin typeface="+mj-lt"/>
               </a:rPr>
               <a:t>tham</a:t>
             </a:r>
             <a:r>
-              <a:rPr lang="en-US" sz="1600" b="0" baseline="0" dirty="0">
+              <a:rPr lang="en-US" sz="1800" b="0" baseline="0" dirty="0">
                 <a:solidFill>
                   <a:schemeClr val="tx1">
                     <a:lumMod val="75000"/>
                     <a:lumOff val="25000"/>
                   </a:schemeClr>
                 </a:solidFill>
+                <a:latin typeface="+mj-lt"/>
               </a:rPr>
               <a:t> </a:t>
             </a:r>
             <a:r>
-              <a:rPr lang="en-US" sz="1600" b="0" baseline="0" dirty="0" err="1">
+              <a:rPr lang="en-US" sz="1800" b="0" baseline="0" dirty="0" err="1">
                 <a:solidFill>
                   <a:schemeClr val="tx1">
                     <a:lumMod val="75000"/>
                     <a:lumOff val="25000"/>
                   </a:schemeClr>
                 </a:solidFill>
+                <a:latin typeface="+mj-lt"/>
               </a:rPr>
               <a:t>gia</a:t>
             </a:r>
             <a:r>
-              <a:rPr lang="en-US" sz="1600" b="0" baseline="0" dirty="0">
+              <a:rPr lang="en-US" sz="1800" b="0" baseline="0" dirty="0">
                 <a:solidFill>
                   <a:schemeClr val="tx1">
                     <a:lumMod val="75000"/>
                     <a:lumOff val="25000"/>
                   </a:schemeClr>
                 </a:solidFill>
+                <a:latin typeface="+mj-lt"/>
               </a:rPr>
               <a:t> </a:t>
             </a:r>
             <a:r>
-              <a:rPr lang="en-US" sz="1600" b="0" baseline="0" dirty="0" err="1">
+              <a:rPr lang="en-US" sz="1800" b="0" baseline="0" dirty="0" err="1">
                 <a:solidFill>
                   <a:schemeClr val="tx1">
                     <a:lumMod val="75000"/>
                     <a:lumOff val="25000"/>
                   </a:schemeClr>
                 </a:solidFill>
+                <a:latin typeface="+mj-lt"/>
               </a:rPr>
               <a:t>vào</a:t>
             </a:r>
             <a:r>
-              <a:rPr lang="en-US" sz="1600" b="0" baseline="0" dirty="0">
+              <a:rPr lang="en-US" sz="1800" b="0" baseline="0" dirty="0">
                 <a:solidFill>
                   <a:schemeClr val="tx1">
                     <a:lumMod val="75000"/>
                     <a:lumOff val="25000"/>
                   </a:schemeClr>
                 </a:solidFill>
+                <a:latin typeface="+mj-lt"/>
               </a:rPr>
               <a:t> dịch vụ </a:t>
             </a:r>
             <a:r>
-              <a:rPr lang="en-US" sz="1600" b="0" baseline="0" dirty="0" err="1">
+              <a:rPr lang="en-US" sz="1800" b="0" baseline="0" dirty="0" err="1">
                 <a:solidFill>
                   <a:schemeClr val="tx1">
                     <a:lumMod val="75000"/>
                     <a:lumOff val="25000"/>
                   </a:schemeClr>
                 </a:solidFill>
+                <a:latin typeface="+mj-lt"/>
               </a:rPr>
               <a:t>tín</a:t>
             </a:r>
             <a:r>
-              <a:rPr lang="en-US" sz="1600" b="0" baseline="0" dirty="0">
+              <a:rPr lang="en-US" sz="1800" b="0" baseline="0" dirty="0">
                 <a:solidFill>
                   <a:schemeClr val="tx1">
                     <a:lumMod val="75000"/>
                     <a:lumOff val="25000"/>
                   </a:schemeClr>
                 </a:solidFill>
+                <a:latin typeface="+mj-lt"/>
               </a:rPr>
               <a:t> </a:t>
             </a:r>
             <a:r>
-              <a:rPr lang="en-US" sz="1600" b="0" baseline="0" dirty="0" err="1">
+              <a:rPr lang="en-US" sz="1800" b="0" baseline="0" dirty="0" err="1">
                 <a:solidFill>
                   <a:schemeClr val="tx1">
                     <a:lumMod val="75000"/>
                     <a:lumOff val="25000"/>
                   </a:schemeClr>
                 </a:solidFill>
+                <a:latin typeface="+mj-lt"/>
               </a:rPr>
               <a:t>dụng</a:t>
             </a:r>
             <a:r>
-              <a:rPr lang="en-US" sz="1600" b="0" baseline="0" dirty="0">
+              <a:rPr lang="en-US" sz="1800" b="0" baseline="0" dirty="0">
                 <a:solidFill>
                   <a:schemeClr val="tx1">
                     <a:lumMod val="75000"/>
                     <a:lumOff val="25000"/>
                   </a:schemeClr>
                 </a:solidFill>
+                <a:latin typeface="+mj-lt"/>
               </a:rPr>
               <a:t> </a:t>
             </a:r>
             <a:r>
-              <a:rPr lang="en-US" sz="1600" b="0" baseline="0" dirty="0" err="1">
+              <a:rPr lang="en-US" sz="1800" b="0" baseline="0" dirty="0" err="1">
                 <a:solidFill>
                   <a:schemeClr val="tx1">
                     <a:lumMod val="75000"/>
                     <a:lumOff val="25000"/>
                   </a:schemeClr>
                 </a:solidFill>
+                <a:latin typeface="+mj-lt"/>
               </a:rPr>
               <a:t>thanh</a:t>
             </a:r>
             <a:r>
-              <a:rPr lang="en-US" sz="1600" b="0" baseline="0" dirty="0">
+              <a:rPr lang="en-US" sz="1800" b="0" baseline="0" dirty="0">
                 <a:solidFill>
                   <a:schemeClr val="tx1">
                     <a:lumMod val="75000"/>
                     <a:lumOff val="25000"/>
                   </a:schemeClr>
                 </a:solidFill>
+                <a:latin typeface="+mj-lt"/>
               </a:rPr>
               <a:t> </a:t>
             </a:r>
             <a:r>
-              <a:rPr lang="en-US" sz="1600" b="0" baseline="0" dirty="0" err="1">
+              <a:rPr lang="en-US" sz="1800" b="0" baseline="0" dirty="0" err="1">
                 <a:solidFill>
                   <a:schemeClr val="tx1">
                     <a:lumMod val="75000"/>
                     <a:lumOff val="25000"/>
                   </a:schemeClr>
                 </a:solidFill>
+                <a:latin typeface="+mj-lt"/>
               </a:rPr>
               <a:t>toán</a:t>
             </a:r>
             <a:r>
-              <a:rPr lang="en-US" sz="1600" b="0" baseline="0" dirty="0">
+              <a:rPr lang="en-US" sz="1800" b="0" baseline="0" dirty="0">
                 <a:solidFill>
                   <a:schemeClr val="tx1">
                     <a:lumMod val="75000"/>
                     <a:lumOff val="25000"/>
                   </a:schemeClr>
                 </a:solidFill>
+                <a:latin typeface="+mj-lt"/>
               </a:rPr>
               <a:t> </a:t>
             </a:r>
             <a:r>
-              <a:rPr lang="en-US" sz="1600" b="0" baseline="0" dirty="0" err="1">
+              <a:rPr lang="en-US" sz="1800" b="0" baseline="0" dirty="0" err="1">
                 <a:solidFill>
                   <a:schemeClr val="tx1">
                     <a:lumMod val="75000"/>
                     <a:lumOff val="25000"/>
                   </a:schemeClr>
                 </a:solidFill>
+                <a:latin typeface="+mj-lt"/>
               </a:rPr>
               <a:t>tự</a:t>
             </a:r>
             <a:r>
-              <a:rPr lang="en-US" sz="1600" b="0" baseline="0" dirty="0">
+              <a:rPr lang="en-US" sz="1800" b="0" baseline="0" dirty="0">
                 <a:solidFill>
                   <a:schemeClr val="tx1">
                     <a:lumMod val="75000"/>
                     <a:lumOff val="25000"/>
                   </a:schemeClr>
                 </a:solidFill>
+                <a:latin typeface="+mj-lt"/>
               </a:rPr>
               <a:t> </a:t>
             </a:r>
             <a:r>
-              <a:rPr lang="en-US" sz="1600" b="0" baseline="0" dirty="0" err="1">
+              <a:rPr lang="en-US" sz="1800" b="0" baseline="0" dirty="0" err="1">
                 <a:solidFill>
                   <a:schemeClr val="tx1">
                     <a:lumMod val="75000"/>
                     <a:lumOff val="25000"/>
                   </a:schemeClr>
                 </a:solidFill>
+                <a:latin typeface="+mj-lt"/>
               </a:rPr>
               <a:t>động</a:t>
             </a:r>
             <a:r>
-              <a:rPr lang="en-US" sz="1600" b="0" baseline="0" dirty="0">
+              <a:rPr lang="en-US" sz="1800" b="0" baseline="0" dirty="0">
                 <a:solidFill>
                   <a:schemeClr val="tx1">
                     <a:lumMod val="75000"/>
                     <a:lumOff val="25000"/>
                   </a:schemeClr>
                 </a:solidFill>
+                <a:latin typeface="+mj-lt"/>
               </a:rPr>
               <a:t> qua </a:t>
             </a:r>
             <a:r>
-              <a:rPr lang="en-US" sz="1600" b="0" baseline="0" dirty="0" err="1">
+              <a:rPr lang="en-US" sz="1800" b="0" baseline="0" dirty="0" err="1">
                 <a:solidFill>
                   <a:schemeClr val="tx1">
                     <a:lumMod val="75000"/>
                     <a:lumOff val="25000"/>
                   </a:schemeClr>
                 </a:solidFill>
+                <a:latin typeface="+mj-lt"/>
               </a:rPr>
               <a:t>từng</a:t>
             </a:r>
             <a:r>
-              <a:rPr lang="en-US" sz="1600" b="0" baseline="0" dirty="0">
+              <a:rPr lang="en-US" sz="1800" b="0" baseline="0" dirty="0">
                 <a:solidFill>
                   <a:schemeClr val="tx1">
                     <a:lumMod val="75000"/>
                     <a:lumOff val="25000"/>
                   </a:schemeClr>
                 </a:solidFill>
+                <a:latin typeface="+mj-lt"/>
               </a:rPr>
               <a:t> </a:t>
             </a:r>
             <a:r>
-              <a:rPr lang="en-US" sz="1600" b="0" baseline="0" dirty="0" err="1">
+              <a:rPr lang="en-US" sz="1800" b="0" baseline="0" dirty="0" err="1">
                 <a:solidFill>
                   <a:schemeClr val="tx1">
                     <a:lumMod val="75000"/>
                     <a:lumOff val="25000"/>
                   </a:schemeClr>
                 </a:solidFill>
+                <a:latin typeface="+mj-lt"/>
               </a:rPr>
               <a:t>năm</a:t>
             </a:r>
-            <a:endParaRPr lang="en-US" sz="1600" b="0" dirty="0">
+            <a:endParaRPr lang="en-US" sz="1800" b="0" dirty="0">
               <a:solidFill>
                 <a:schemeClr val="tx1">
                   <a:lumMod val="75000"/>
                   <a:lumOff val="25000"/>
                 </a:schemeClr>
               </a:solidFill>
+              <a:latin typeface="+mj-lt"/>
             </a:endParaRPr>
           </a:p>
         </c:rich>
@@ -2778,7 +2806,7 @@
                       </a:solidFill>
                     </a:defRPr>
                   </a:pPr>
-                  <a:endParaRPr lang="vi-VN"/>
+                  <a:endParaRPr lang="en-US"/>
                 </a:p>
               </c:txPr>
               <c:dLblPos val="l"/>
@@ -2811,7 +2839,7 @@
                         </a:solidFill>
                       </a:rPr>
                       <a:pPr/>
-                      <a:t>[VALUE]</a:t>
+                      <a:t>[GIÁ TRỊ]</a:t>
                     </a:fld>
                     <a:r>
                       <a:rPr lang="en-US">
@@ -2881,7 +2909,7 @@
                     </a:solidFill>
                   </a:defRPr>
                 </a:pPr>
-                <a:endParaRPr lang="vi-VN"/>
+                <a:endParaRPr lang="en-US"/>
               </a:p>
             </c:txPr>
             <c:showLegendKey val="0"/>
@@ -2960,7 +2988,7 @@
             </c:strRef>
           </c:tx>
           <c:spPr>
-            <a:ln>
+            <a:ln w="38100">
               <a:solidFill>
                 <a:schemeClr val="bg1">
                   <a:lumMod val="65000"/>
@@ -2995,6 +3023,38 @@
             </c:extLst>
           </c:dPt>
           <c:dPt>
+            <c:idx val="1"/>
+            <c:bubble3D val="0"/>
+            <c:spPr>
+              <a:ln w="38100">
+                <a:solidFill>
+                  <a:srgbClr val="FF0000"/>
+                </a:solidFill>
+              </a:ln>
+            </c:spPr>
+            <c:extLst>
+              <c:ext xmlns:c16="http://schemas.microsoft.com/office/drawing/2014/chart" uri="{C3380CC4-5D6E-409C-BE32-E72D297353CC}">
+                <c16:uniqueId val="{0000000B-B420-4E39-8BC4-88FC792A39CC}"/>
+              </c:ext>
+            </c:extLst>
+          </c:dPt>
+          <c:dPt>
+            <c:idx val="2"/>
+            <c:bubble3D val="0"/>
+            <c:spPr>
+              <a:ln w="38100">
+                <a:solidFill>
+                  <a:srgbClr val="FF0000"/>
+                </a:solidFill>
+              </a:ln>
+            </c:spPr>
+            <c:extLst>
+              <c:ext xmlns:c16="http://schemas.microsoft.com/office/drawing/2014/chart" uri="{C3380CC4-5D6E-409C-BE32-E72D297353CC}">
+                <c16:uniqueId val="{0000000A-B420-4E39-8BC4-88FC792A39CC}"/>
+              </c:ext>
+            </c:extLst>
+          </c:dPt>
+          <c:dPt>
             <c:idx val="3"/>
             <c:marker>
               <c:symbol val="circle"/>
@@ -3011,6 +3071,13 @@
               </c:spPr>
             </c:marker>
             <c:bubble3D val="0"/>
+            <c:spPr>
+              <a:ln w="38100">
+                <a:solidFill>
+                  <a:srgbClr val="FF0000"/>
+                </a:solidFill>
+              </a:ln>
+            </c:spPr>
             <c:extLst>
               <c:ext xmlns:c16="http://schemas.microsoft.com/office/drawing/2014/chart" uri="{C3380CC4-5D6E-409C-BE32-E72D297353CC}">
                 <c16:uniqueId val="{00000004-5775-4CCA-A533-A08C74E6A570}"/>
@@ -3024,7 +3091,11 @@
               <c:spPr>
                 <a:noFill/>
                 <a:ln>
-                  <a:noFill/>
+                  <a:solidFill>
+                    <a:schemeClr val="bg1">
+                      <a:lumMod val="65000"/>
+                    </a:schemeClr>
+                  </a:solidFill>
                 </a:ln>
                 <a:effectLst/>
               </c:spPr>
@@ -3043,7 +3114,7 @@
                       </a:solidFill>
                     </a:defRPr>
                   </a:pPr>
-                  <a:endParaRPr lang="vi-VN"/>
+                  <a:endParaRPr lang="en-US"/>
                 </a:p>
               </c:txPr>
               <c:dLblPos val="l"/>
@@ -3079,11 +3150,9 @@
                       </a:defRPr>
                     </a:pPr>
                     <a:fld id="{A6EE8F9B-0B87-5949-91F1-A0E3D4C5E80C}" type="VALUE">
-                      <a:rPr lang="en-US">
+                      <a:rPr lang="en-US" b="1">
                         <a:solidFill>
-                          <a:schemeClr val="bg1">
-                            <a:lumMod val="65000"/>
-                          </a:schemeClr>
+                          <a:srgbClr val="FF0000"/>
                         </a:solidFill>
                       </a:rPr>
                       <a:pPr algn="l">
@@ -3095,14 +3164,12 @@
                           </a:solidFill>
                         </a:defRPr>
                       </a:pPr>
-                      <a:t>[VALUE]</a:t>
+                      <a:t>[GIÁ TRỊ]</a:t>
                     </a:fld>
                     <a:r>
-                      <a:rPr lang="en-US">
+                      <a:rPr lang="en-US" b="1" dirty="0">
                         <a:solidFill>
-                          <a:schemeClr val="bg1">
-                            <a:lumMod val="65000"/>
-                          </a:schemeClr>
+                          <a:srgbClr val="FF0000"/>
                         </a:solidFill>
                       </a:rPr>
                       <a:t> HOME EQUITY LINE OF CREDIT</a:t>
@@ -3144,7 +3211,11 @@
             <c:spPr>
               <a:noFill/>
               <a:ln>
-                <a:noFill/>
+                <a:solidFill>
+                  <a:schemeClr val="bg1">
+                    <a:lumMod val="65000"/>
+                  </a:schemeClr>
+                </a:solidFill>
               </a:ln>
               <a:effectLst/>
             </c:spPr>
@@ -3157,7 +3228,7 @@
                 <a:pPr algn="l">
                   <a:defRPr sz="1000"/>
                 </a:pPr>
-                <a:endParaRPr lang="vi-VN"/>
+                <a:endParaRPr lang="en-US"/>
               </a:p>
             </c:txPr>
             <c:showLegendKey val="0"/>
@@ -3345,7 +3416,7 @@
                           </a:solidFill>
                         </a:defRPr>
                       </a:pPr>
-                      <a:t>[VALUE]</a:t>
+                      <a:t>[GIÁ TRỊ]</a:t>
                     </a:fld>
                     <a:r>
                       <a:rPr lang="en-US" sz="1000">
@@ -3423,7 +3494,7 @@
                     </a:solidFill>
                   </a:defRPr>
                 </a:pPr>
-                <a:endParaRPr lang="vi-VN"/>
+                <a:endParaRPr lang="en-US"/>
               </a:p>
             </c:txPr>
             <c:showLegendKey val="0"/>
@@ -3601,7 +3672,7 @@
                     <a:fld id="{3866931C-2C09-544F-8DAF-9C1FA6F6DE7F}" type="VALUE">
                       <a:rPr lang="en-US"/>
                       <a:pPr/>
-                      <a:t>[VALUE]</a:t>
+                      <a:t>[GIÁ TRỊ]</a:t>
                     </a:fld>
                     <a:r>
                       <a:rPr lang="en-US"/>
@@ -3643,7 +3714,7 @@
                 <a:pPr>
                   <a:defRPr sz="1000"/>
                 </a:pPr>
-                <a:endParaRPr lang="vi-VN"/>
+                <a:endParaRPr lang="en-US"/>
               </a:p>
             </c:txPr>
             <c:showLegendKey val="0"/>
@@ -3752,7 +3823,7 @@
                 </a:solidFill>
               </a:defRPr>
             </a:pPr>
-            <a:endParaRPr lang="vi-VN"/>
+            <a:endParaRPr lang="en-US"/>
           </a:p>
         </c:txPr>
         <c:crossAx val="-2018894856"/>
@@ -3851,7 +3922,7 @@
                 </a:solidFill>
               </a:defRPr>
             </a:pPr>
-            <a:endParaRPr lang="vi-VN"/>
+            <a:endParaRPr lang="en-US"/>
           </a:p>
         </c:txPr>
         <c:crossAx val="-2018876440"/>
@@ -3886,7 +3957,7 @@
           <a:cs typeface="Arial" panose="020B0604020202020204" pitchFamily="34" charset="0"/>
         </a:defRPr>
       </a:pPr>
-      <a:endParaRPr lang="vi-VN"/>
+      <a:endParaRPr lang="en-US"/>
     </a:p>
   </c:txPr>
   <c:externalData r:id="rId1">
@@ -6336,7 +6407,7 @@
           <a:p>
             <a:fld id="{8669AFDC-7658-4951-B0FF-52DFF2A93C0A}" type="datetimeFigureOut">
               <a:rPr lang="en-US" smtClean="0"/>
-              <a:t>14-Apr-21</a:t>
+              <a:t>4/16/2021</a:t>
             </a:fld>
             <a:endParaRPr lang="en-US" dirty="0"/>
           </a:p>
@@ -6501,7 +6572,7 @@
           <a:p>
             <a:fld id="{3ABD2D7A-D230-4F91-BD59-0A39C2703BA8}" type="datetimeFigureOut">
               <a:rPr lang="en-US" smtClean="0"/>
-              <a:t>14-Apr-21</a:t>
+              <a:t>4/16/2021</a:t>
             </a:fld>
             <a:endParaRPr lang="en-US" dirty="0"/>
           </a:p>
@@ -7260,7 +7331,7 @@
           <a:p>
             <a:fld id="{03F41C87-7AD9-4845-A077-840E4A0F3F06}" type="datetimeFigureOut">
               <a:rPr lang="en-US"/>
-              <a:t>14-Apr-21</a:t>
+              <a:t>4/16/2021</a:t>
             </a:fld>
             <a:endParaRPr dirty="0"/>
           </a:p>
@@ -7465,7 +7536,7 @@
           <a:p>
             <a:fld id="{03F41C87-7AD9-4845-A077-840E4A0F3F06}" type="datetimeFigureOut">
               <a:rPr lang="en-US"/>
-              <a:t>14-Apr-21</a:t>
+              <a:t>4/16/2021</a:t>
             </a:fld>
             <a:endParaRPr dirty="0"/>
           </a:p>
@@ -7698,7 +7769,7 @@
           <a:p>
             <a:fld id="{03F41C87-7AD9-4845-A077-840E4A0F3F06}" type="datetimeFigureOut">
               <a:rPr lang="en-US"/>
-              <a:t>14-Apr-21</a:t>
+              <a:t>4/16/2021</a:t>
             </a:fld>
             <a:endParaRPr dirty="0"/>
           </a:p>
@@ -8114,7 +8185,7 @@
           <a:p>
             <a:fld id="{03F41C87-7AD9-4845-A077-840E4A0F3F06}" type="datetimeFigureOut">
               <a:rPr lang="en-US"/>
-              <a:t>14-Apr-21</a:t>
+              <a:t>4/16/2021</a:t>
             </a:fld>
             <a:endParaRPr dirty="0"/>
           </a:p>
@@ -8474,7 +8545,7 @@
           <a:p>
             <a:fld id="{03F41C87-7AD9-4845-A077-840E4A0F3F06}" type="datetimeFigureOut">
               <a:rPr lang="en-US"/>
-              <a:t>14-Apr-21</a:t>
+              <a:t>4/16/2021</a:t>
             </a:fld>
             <a:endParaRPr dirty="0"/>
           </a:p>
@@ -8982,7 +9053,7 @@
           <a:p>
             <a:fld id="{03F41C87-7AD9-4845-A077-840E4A0F3F06}" type="datetimeFigureOut">
               <a:rPr lang="en-US"/>
-              <a:t>14-Apr-21</a:t>
+              <a:t>4/16/2021</a:t>
             </a:fld>
             <a:endParaRPr dirty="0"/>
           </a:p>
@@ -9163,7 +9234,7 @@
           <a:p>
             <a:fld id="{03F41C87-7AD9-4845-A077-840E4A0F3F06}" type="datetimeFigureOut">
               <a:rPr lang="en-US"/>
-              <a:t>14-Apr-21</a:t>
+              <a:t>4/16/2021</a:t>
             </a:fld>
             <a:endParaRPr dirty="0"/>
           </a:p>
@@ -9311,7 +9382,7 @@
           <a:p>
             <a:fld id="{03F41C87-7AD9-4845-A077-840E4A0F3F06}" type="datetimeFigureOut">
               <a:rPr lang="en-US"/>
-              <a:t>14-Apr-21</a:t>
+              <a:t>4/16/2021</a:t>
             </a:fld>
             <a:endParaRPr dirty="0"/>
           </a:p>
@@ -9624,7 +9695,7 @@
           <a:p>
             <a:fld id="{03F41C87-7AD9-4845-A077-840E4A0F3F06}" type="datetimeFigureOut">
               <a:rPr lang="en-US"/>
-              <a:t>14-Apr-21</a:t>
+              <a:t>4/16/2021</a:t>
             </a:fld>
             <a:endParaRPr dirty="0"/>
           </a:p>
@@ -10175,7 +10246,7 @@
             <a:fld id="{03F41C87-7AD9-4845-A077-840E4A0F3F06}" type="datetimeFigureOut">
               <a:rPr lang="en-US" smtClean="0"/>
               <a:pPr/>
-              <a:t>14-Apr-21</a:t>
+              <a:t>4/16/2021</a:t>
             </a:fld>
             <a:endParaRPr lang="en-US" dirty="0"/>
           </a:p>
@@ -10853,8 +10924,12 @@
           <a:p>
             <a:pPr algn="just"/>
             <a:r>
-              <a:rPr lang="en-US" dirty="0"/>
-              <a:t>Credit card: </a:t>
+              <a:rPr lang="en-US" b="1" i="1" dirty="0"/>
+              <a:t>Credit card</a:t>
+            </a:r>
+            <a:r>
+              <a:rPr lang="en-US" dirty="0"/>
+              <a:t>: </a:t>
             </a:r>
             <a:r>
               <a:rPr lang="vi-VN" dirty="0"/>
@@ -11029,7 +11104,7 @@
           <a:p>
             <a:pPr algn="just"/>
             <a:r>
-              <a:rPr lang="en-US" dirty="0"/>
+              <a:rPr lang="en-US" b="1" i="1" dirty="0"/>
               <a:t>Home Equity Line Of Credit (HELOC): </a:t>
             </a:r>
             <a:r>
@@ -11429,7 +11504,7 @@
           <a:p>
             <a:pPr algn="just"/>
             <a:r>
-              <a:rPr lang="en-US" dirty="0"/>
+              <a:rPr lang="en-US" b="1" i="1" dirty="0"/>
               <a:t>Fixed-Term Loan: </a:t>
             </a:r>
             <a:r>
@@ -11601,7 +11676,7 @@
           <a:p>
             <a:pPr algn="just"/>
             <a:r>
-              <a:rPr lang="en-US" dirty="0"/>
+              <a:rPr lang="en-US" b="1" i="1" dirty="0"/>
               <a:t>Total: </a:t>
             </a:r>
             <a:r>
@@ -12324,20 +12399,24 @@
           <a:lstStyle/>
           <a:p>
             <a:r>
-              <a:rPr lang="en-US" dirty="0" err="1"/>
+              <a:rPr lang="en-US" i="1" dirty="0" err="1"/>
               <a:t>Nhận</a:t>
             </a:r>
             <a:r>
-              <a:rPr lang="en-US" dirty="0"/>
-              <a:t> </a:t>
-            </a:r>
-            <a:r>
-              <a:rPr lang="en-US" dirty="0" err="1"/>
+              <a:rPr lang="en-US" i="1" dirty="0"/>
+              <a:t> </a:t>
+            </a:r>
+            <a:r>
+              <a:rPr lang="en-US" i="1" dirty="0" err="1"/>
               <a:t>xét</a:t>
             </a:r>
             <a:r>
-              <a:rPr lang="en-US" dirty="0"/>
-              <a:t>: Tỉ lệ </a:t>
+              <a:rPr lang="en-US" i="1" dirty="0"/>
+              <a:t>:</a:t>
+            </a:r>
+            <a:r>
+              <a:rPr lang="en-US" dirty="0"/>
+              <a:t> Tỉ lệ </a:t>
             </a:r>
             <a:r>
               <a:rPr lang="en-US" dirty="0" err="1"/>
@@ -12555,20 +12634,24 @@
           <a:p>
             <a:pPr algn="just"/>
             <a:r>
-              <a:rPr lang="en-US" dirty="0" err="1"/>
+              <a:rPr lang="en-US" i="1" dirty="0" err="1"/>
               <a:t>Nhận</a:t>
             </a:r>
             <a:r>
-              <a:rPr lang="en-US" dirty="0"/>
-              <a:t> </a:t>
-            </a:r>
-            <a:r>
-              <a:rPr lang="en-US" dirty="0" err="1"/>
+              <a:rPr lang="en-US" i="1" dirty="0"/>
+              <a:t> </a:t>
+            </a:r>
+            <a:r>
+              <a:rPr lang="en-US" i="1" dirty="0" err="1"/>
               <a:t>xét</a:t>
             </a:r>
             <a:r>
-              <a:rPr lang="en-US" dirty="0"/>
-              <a:t>: Tỉ lệ </a:t>
+              <a:rPr lang="en-US" i="1" dirty="0"/>
+              <a:t>: </a:t>
+            </a:r>
+            <a:r>
+              <a:rPr lang="en-US" dirty="0"/>
+              <a:t>Tỉ lệ </a:t>
             </a:r>
             <a:r>
               <a:rPr lang="en-US" dirty="0" err="1"/>
@@ -12906,20 +12989,24 @@
           <a:p>
             <a:pPr algn="just"/>
             <a:r>
-              <a:rPr lang="en-US" dirty="0" err="1"/>
+              <a:rPr lang="en-US" i="1" dirty="0" err="1"/>
               <a:t>Nhận</a:t>
             </a:r>
             <a:r>
-              <a:rPr lang="en-US" dirty="0"/>
-              <a:t> </a:t>
-            </a:r>
-            <a:r>
-              <a:rPr lang="en-US" dirty="0" err="1"/>
+              <a:rPr lang="en-US" i="1" dirty="0"/>
+              <a:t> </a:t>
+            </a:r>
+            <a:r>
+              <a:rPr lang="en-US" i="1" dirty="0" err="1"/>
               <a:t>xét</a:t>
             </a:r>
             <a:r>
-              <a:rPr lang="en-US" dirty="0"/>
-              <a:t>: Tỉ lệ </a:t>
+              <a:rPr lang="en-US" i="1" dirty="0"/>
+              <a:t>: </a:t>
+            </a:r>
+            <a:r>
+              <a:rPr lang="en-US" dirty="0"/>
+              <a:t>Tỉ lệ </a:t>
             </a:r>
             <a:r>
               <a:rPr lang="en-US" dirty="0" err="1"/>
@@ -13310,20 +13397,24 @@
           <a:p>
             <a:pPr algn="just"/>
             <a:r>
-              <a:rPr lang="en-US" dirty="0" err="1"/>
+              <a:rPr lang="en-US" i="1" dirty="0" err="1"/>
               <a:t>Nhận</a:t>
             </a:r>
             <a:r>
-              <a:rPr lang="en-US" dirty="0"/>
-              <a:t> </a:t>
-            </a:r>
-            <a:r>
-              <a:rPr lang="en-US" dirty="0" err="1"/>
+              <a:rPr lang="en-US" i="1" dirty="0"/>
+              <a:t> </a:t>
+            </a:r>
+            <a:r>
+              <a:rPr lang="en-US" i="1" dirty="0" err="1"/>
               <a:t>xét</a:t>
             </a:r>
             <a:r>
-              <a:rPr lang="en-US" dirty="0"/>
-              <a:t>: Tỉ lệ </a:t>
+              <a:rPr lang="en-US" i="1" dirty="0"/>
+              <a:t>: </a:t>
+            </a:r>
+            <a:r>
+              <a:rPr lang="en-US" dirty="0"/>
+              <a:t>Tỉ lệ </a:t>
             </a:r>
             <a:r>
               <a:rPr lang="en-US" dirty="0" err="1"/>
@@ -13821,7 +13912,7 @@
             <p:ph idx="1"/>
             <p:extLst>
               <p:ext uri="{D42A27DB-BD31-4B8C-83A1-F6EECF244321}">
-                <p14:modId xmlns:p14="http://schemas.microsoft.com/office/powerpoint/2010/main" val="997950575"/>
+                <p14:modId xmlns:p14="http://schemas.microsoft.com/office/powerpoint/2010/main" val="1209420862"/>
               </p:ext>
             </p:extLst>
           </p:nvPr>
@@ -14392,105 +14483,113 @@
           <a:p>
             <a:pPr algn="just"/>
             <a:r>
-              <a:rPr lang="en-US" dirty="0"/>
+              <a:rPr lang="en-US" b="1" dirty="0"/>
               <a:t>Tỉ lệ người dùng dịch vụ </a:t>
             </a:r>
             <a:r>
-              <a:rPr lang="en-US" dirty="0" err="1"/>
+              <a:rPr lang="en-US" b="1" dirty="0" err="1"/>
               <a:t>tín</a:t>
             </a:r>
             <a:r>
-              <a:rPr lang="en-US" dirty="0"/>
-              <a:t> </a:t>
-            </a:r>
-            <a:r>
-              <a:rPr lang="en-US" dirty="0" err="1"/>
+              <a:rPr lang="en-US" b="1" dirty="0"/>
+              <a:t> </a:t>
+            </a:r>
+            <a:r>
+              <a:rPr lang="en-US" b="1" dirty="0" err="1"/>
               <a:t>dụng</a:t>
             </a:r>
             <a:r>
-              <a:rPr lang="en-US" dirty="0"/>
-              <a:t> </a:t>
-            </a:r>
-            <a:r>
-              <a:rPr lang="en-US" dirty="0" err="1"/>
+              <a:rPr lang="en-US" b="1" dirty="0"/>
+              <a:t> </a:t>
+            </a:r>
+            <a:r>
+              <a:rPr lang="en-US" b="1" dirty="0" err="1"/>
               <a:t>nói</a:t>
             </a:r>
             <a:r>
-              <a:rPr lang="en-US" dirty="0"/>
-              <a:t> </a:t>
-            </a:r>
-            <a:r>
-              <a:rPr lang="en-US" dirty="0" err="1"/>
+              <a:rPr lang="en-US" b="1" dirty="0"/>
+              <a:t> </a:t>
+            </a:r>
+            <a:r>
+              <a:rPr lang="en-US" b="1" dirty="0" err="1"/>
               <a:t>chung</a:t>
             </a:r>
             <a:r>
-              <a:rPr lang="en-US" dirty="0"/>
-              <a:t> </a:t>
-            </a:r>
-            <a:r>
-              <a:rPr lang="en-US" dirty="0" err="1"/>
+              <a:rPr lang="en-US" b="1" dirty="0"/>
+              <a:t> </a:t>
+            </a:r>
+            <a:r>
+              <a:rPr lang="en-US" b="1" dirty="0" err="1"/>
               <a:t>tăng</a:t>
             </a:r>
             <a:r>
-              <a:rPr lang="en-US" dirty="0"/>
-              <a:t> </a:t>
-            </a:r>
-            <a:r>
-              <a:rPr lang="en-US" dirty="0" err="1"/>
+              <a:rPr lang="en-US" b="1" dirty="0"/>
+              <a:t> </a:t>
+            </a:r>
+            <a:r>
+              <a:rPr lang="en-US" b="1" dirty="0" err="1"/>
               <a:t>mạnh</a:t>
             </a:r>
             <a:r>
-              <a:rPr lang="en-US" dirty="0"/>
-              <a:t> </a:t>
-            </a:r>
-            <a:r>
-              <a:rPr lang="en-US" dirty="0" err="1"/>
+              <a:rPr lang="en-US" b="1" dirty="0"/>
+              <a:t> </a:t>
+            </a:r>
+            <a:r>
+              <a:rPr lang="en-US" b="1" dirty="0" err="1"/>
               <a:t>vào</a:t>
             </a:r>
             <a:r>
-              <a:rPr lang="en-US" dirty="0"/>
-              <a:t> </a:t>
-            </a:r>
-            <a:r>
-              <a:rPr lang="en-US" dirty="0" err="1"/>
+              <a:rPr lang="en-US" b="1" dirty="0"/>
+              <a:t> </a:t>
+            </a:r>
+            <a:r>
+              <a:rPr lang="en-US" b="1" dirty="0" err="1"/>
               <a:t>năm</a:t>
             </a:r>
             <a:r>
-              <a:rPr lang="en-US" dirty="0"/>
+              <a:rPr lang="en-US" b="1" dirty="0"/>
               <a:t> 2018 do </a:t>
             </a:r>
             <a:r>
-              <a:rPr lang="en-US" dirty="0" err="1"/>
+              <a:rPr lang="en-US" b="1" dirty="0" err="1"/>
               <a:t>sự</a:t>
             </a:r>
             <a:r>
-              <a:rPr lang="en-US" dirty="0"/>
-              <a:t> </a:t>
-            </a:r>
-            <a:r>
-              <a:rPr lang="en-US" dirty="0" err="1"/>
+              <a:rPr lang="en-US" b="1" dirty="0"/>
+              <a:t> </a:t>
+            </a:r>
+            <a:r>
+              <a:rPr lang="en-US" b="1" dirty="0" err="1"/>
               <a:t>bùng</a:t>
             </a:r>
             <a:r>
-              <a:rPr lang="en-US" dirty="0"/>
-              <a:t> </a:t>
-            </a:r>
-            <a:r>
-              <a:rPr lang="en-US" dirty="0" err="1"/>
+              <a:rPr lang="en-US" b="1" dirty="0"/>
+              <a:t> </a:t>
+            </a:r>
+            <a:r>
+              <a:rPr lang="en-US" b="1" dirty="0" err="1"/>
               <a:t>nổ</a:t>
             </a:r>
             <a:r>
-              <a:rPr lang="en-US" dirty="0"/>
-              <a:t> </a:t>
-            </a:r>
-            <a:r>
-              <a:rPr lang="en-US" dirty="0" err="1"/>
+              <a:rPr lang="en-US" b="1" dirty="0"/>
+              <a:t> </a:t>
+            </a:r>
+            <a:r>
+              <a:rPr lang="en-US" b="1" dirty="0" err="1"/>
               <a:t>lượng</a:t>
             </a:r>
             <a:r>
-              <a:rPr lang="en-US" dirty="0"/>
-              <a:t> người dùng dịch vụ HELOC.</a:t>
-            </a:r>
+              <a:rPr lang="en-US" b="1" dirty="0"/>
+              <a:t> người dùng dịch vụ HELOC</a:t>
+            </a:r>
+            <a:r>
+              <a:rPr lang="en-US" dirty="0"/>
+              <a:t>.</a:t>
+            </a:r>
+          </a:p>
+          <a:p>
+            <a:pPr algn="just"/>
+            <a:endParaRPr lang="en-US" dirty="0"/>
           </a:p>
         </p:txBody>
       </p:sp>

--- a/BTTL2/BTTL2 - Nhóm 17.pptx
+++ b/BTTL2/BTTL2 - Nhóm 17.pptx
@@ -10835,8 +10835,29 @@
           <a:p>
             <a:r>
               <a:rPr lang="en-US" sz="2000" dirty="0"/>
-              <a:t>1712502 – Trần Quang Huy</a:t>
-            </a:r>
+              <a:t>1712424   – </a:t>
+            </a:r>
+            <a:r>
+              <a:rPr lang="en-US" sz="2000" dirty="0" err="1"/>
+              <a:t>Hàn</a:t>
+            </a:r>
+            <a:r>
+              <a:rPr lang="en-US" sz="2000" dirty="0"/>
+              <a:t> </a:t>
+            </a:r>
+            <a:r>
+              <a:rPr lang="en-US" sz="2000" dirty="0" err="1"/>
+              <a:t>Văn</a:t>
+            </a:r>
+            <a:r>
+              <a:rPr lang="en-US" sz="2000" dirty="0"/>
+              <a:t> Gia </a:t>
+            </a:r>
+            <a:r>
+              <a:rPr lang="en-US" sz="2000" dirty="0" err="1"/>
+              <a:t>Hiên</a:t>
+            </a:r>
+            <a:endParaRPr lang="en-US" sz="2000" dirty="0"/>
           </a:p>
           <a:p>
             <a:endParaRPr lang="en-US" sz="2000" dirty="0"/>
